--- a/BaoCaovaSlide/baocaochude9_slide.pptx
+++ b/BaoCaovaSlide/baocaochude9_slide.pptx
@@ -177,9 +177,6 @@
 <file path=ppt/revisionInfo.xml><?xml version="1.0" encoding="utf-8"?>
 <p1510:revInfo xmlns:a="http://schemas.openxmlformats.org/drawingml/2006/main" xmlns:r="http://schemas.openxmlformats.org/officeDocument/2006/relationships" xmlns:p1510="http://schemas.microsoft.com/office/powerpoint/2015/10/main">
   <p1510:revLst>
-    <p1510:client id="{06284D8F-A0D8-46DF-B486-0155B6070D18}" v="1393" dt="2025-10-27T15:36:06.404"/>
-    <p1510:client id="{16CF5BBF-02A0-C297-79D1-B0EA1B1C6CA5}" v="12" dt="2025-10-27T15:41:55.961"/>
-    <p1510:client id="{3592641C-9D37-CAF2-7121-940B6891C1EA}" v="405" dt="2025-10-27T15:20:38.207"/>
     <p1510:client id="{8608A93B-B499-4F81-9826-37F10512DAE5}" v="22" dt="2025-10-28T12:06:50.039"/>
   </p1510:revLst>
 </p1510:revInfo>
@@ -200,14 +197,6 @@
           <pc:docMk/>
           <pc:sldMk cId="3668426665" sldId="279"/>
         </pc:sldMkLst>
-        <pc:spChg chg="add del mod">
-          <ac:chgData name="Nguyễn Quốc Khánh" userId="S::106220255@sv1.dut.udn.vn::a99d8c53-2260-4a43-80de-d6f2bc486cd8" providerId="AD" clId="Web-{E65F3252-B8C4-55D3-B5D4-4A767BAF351E}" dt="2025-10-27T09:22:49.904" v="7"/>
-          <ac:spMkLst>
-            <pc:docMk/>
-            <pc:sldMk cId="3668426665" sldId="279"/>
-            <ac:spMk id="2" creationId="{067F9307-CCC4-B639-3517-C29C8D103602}"/>
-          </ac:spMkLst>
-        </pc:spChg>
       </pc:sldChg>
     </pc:docChg>
   </pc:docChgLst>
@@ -224,14 +213,6 @@
           <pc:docMk/>
           <pc:sldMk cId="0" sldId="259"/>
         </pc:sldMkLst>
-        <pc:spChg chg="add">
-          <ac:chgData name="Nguyễn Quốc Khánh" userId="S::106220255@sv1.dut.udn.vn::a99d8c53-2260-4a43-80de-d6f2bc486cd8" providerId="AD" clId="Web-{D7A7659D-764F-4540-01DF-59C5DC0C7A49}" dt="2025-10-27T10:29:52.750" v="0"/>
-          <ac:spMkLst>
-            <pc:docMk/>
-            <pc:sldMk cId="0" sldId="259"/>
-            <ac:spMk id="2" creationId="{FD60DE25-2E7F-59AC-460D-3AE90F70AFF7}"/>
-          </ac:spMkLst>
-        </pc:spChg>
       </pc:sldChg>
       <pc:sldChg chg="addSp delSp modSp">
         <pc:chgData name="Nguyễn Quốc Khánh" userId="S::106220255@sv1.dut.udn.vn::a99d8c53-2260-4a43-80de-d6f2bc486cd8" providerId="AD" clId="Web-{D7A7659D-764F-4540-01DF-59C5DC0C7A49}" dt="2025-10-27T10:34:30.935" v="44" actId="20577"/>
@@ -239,22 +220,6 @@
           <pc:docMk/>
           <pc:sldMk cId="3668426665" sldId="279"/>
         </pc:sldMkLst>
-        <pc:spChg chg="add del mod">
-          <ac:chgData name="Nguyễn Quốc Khánh" userId="S::106220255@sv1.dut.udn.vn::a99d8c53-2260-4a43-80de-d6f2bc486cd8" providerId="AD" clId="Web-{D7A7659D-764F-4540-01DF-59C5DC0C7A49}" dt="2025-10-27T10:31:27.177" v="4"/>
-          <ac:spMkLst>
-            <pc:docMk/>
-            <pc:sldMk cId="3668426665" sldId="279"/>
-            <ac:spMk id="2" creationId="{96740ADE-0742-E4BE-E78E-0E4E73B50149}"/>
-          </ac:spMkLst>
-        </pc:spChg>
-        <pc:spChg chg="add mod">
-          <ac:chgData name="Nguyễn Quốc Khánh" userId="S::106220255@sv1.dut.udn.vn::a99d8c53-2260-4a43-80de-d6f2bc486cd8" providerId="AD" clId="Web-{D7A7659D-764F-4540-01DF-59C5DC0C7A49}" dt="2025-10-27T10:32:59.212" v="23" actId="14100"/>
-          <ac:spMkLst>
-            <pc:docMk/>
-            <pc:sldMk cId="3668426665" sldId="279"/>
-            <ac:spMk id="3" creationId="{DBCACF99-0F85-B90D-41F4-397A359C0B89}"/>
-          </ac:spMkLst>
-        </pc:spChg>
         <pc:spChg chg="add mod">
           <ac:chgData name="Nguyễn Quốc Khánh" userId="S::106220255@sv1.dut.udn.vn::a99d8c53-2260-4a43-80de-d6f2bc486cd8" providerId="AD" clId="Web-{D7A7659D-764F-4540-01DF-59C5DC0C7A49}" dt="2025-10-27T10:34:30.935" v="44" actId="20577"/>
           <ac:spMkLst>
@@ -1192,14 +1157,6 @@
           <pc:docMk/>
           <pc:sldMk cId="3668426665" sldId="279"/>
         </pc:sldMkLst>
-        <pc:spChg chg="del">
-          <ac:chgData name="Hà Tiến Đạt" userId="2c270499-d7a4-441a-931b-11c3708e529e" providerId="ADAL" clId="{DDB06710-498B-452A-93D4-3C2887EC2D6F}" dt="2025-10-27T14:32:30.579" v="2713" actId="478"/>
-          <ac:spMkLst>
-            <pc:docMk/>
-            <pc:sldMk cId="3668426665" sldId="279"/>
-            <ac:spMk id="3" creationId="{DBCACF99-0F85-B90D-41F4-397A359C0B89}"/>
-          </ac:spMkLst>
-        </pc:spChg>
         <pc:spChg chg="mod">
           <ac:chgData name="Hà Tiến Đạt" userId="2c270499-d7a4-441a-931b-11c3708e529e" providerId="ADAL" clId="{DDB06710-498B-452A-93D4-3C2887EC2D6F}" dt="2025-10-27T14:35:42.985" v="2747" actId="20577"/>
           <ac:spMkLst>
@@ -1261,14 +1218,6 @@
             <pc:docMk/>
             <pc:sldMk cId="3673342135" sldId="280"/>
             <ac:spMk id="2" creationId="{34D0E5DA-8D2A-2D74-F59C-A76603FCD860}"/>
-          </ac:spMkLst>
-        </pc:spChg>
-        <pc:spChg chg="add del mod">
-          <ac:chgData name="Hà Tiến Đạt" userId="2c270499-d7a4-441a-931b-11c3708e529e" providerId="ADAL" clId="{DDB06710-498B-452A-93D4-3C2887EC2D6F}" dt="2025-10-27T14:38:37.810" v="2998" actId="478"/>
-          <ac:spMkLst>
-            <pc:docMk/>
-            <pc:sldMk cId="3673342135" sldId="280"/>
-            <ac:spMk id="3" creationId="{A46E46AA-83DD-F145-64E6-01EB4A91E51D}"/>
           </ac:spMkLst>
         </pc:spChg>
         <pc:spChg chg="mod">
@@ -1334,14 +1283,6 @@
           <pc:docMk/>
           <pc:sldMk cId="3824883314" sldId="283"/>
         </pc:sldMkLst>
-        <pc:picChg chg="del mod">
-          <ac:chgData name="Hà Tiến Đạt" userId="2c270499-d7a4-441a-931b-11c3708e529e" providerId="ADAL" clId="{DDB06710-498B-452A-93D4-3C2887EC2D6F}" dt="2025-10-27T13:37:31.223" v="2517" actId="478"/>
-          <ac:picMkLst>
-            <pc:docMk/>
-            <pc:sldMk cId="3824883314" sldId="283"/>
-            <ac:picMk id="2" creationId="{767BF698-7AC3-4946-1AFA-C114A37BC380}"/>
-          </ac:picMkLst>
-        </pc:picChg>
         <pc:picChg chg="add mod">
           <ac:chgData name="Hà Tiến Đạt" userId="2c270499-d7a4-441a-931b-11c3708e529e" providerId="ADAL" clId="{DDB06710-498B-452A-93D4-3C2887EC2D6F}" dt="2025-10-27T13:41:52.565" v="2525" actId="14100"/>
           <ac:picMkLst>
@@ -1357,14 +1298,6 @@
           <pc:docMk/>
           <pc:sldMk cId="2500620303" sldId="284"/>
         </pc:sldMkLst>
-        <pc:graphicFrameChg chg="del">
-          <ac:chgData name="Hà Tiến Đạt" userId="2c270499-d7a4-441a-931b-11c3708e529e" providerId="ADAL" clId="{DDB06710-498B-452A-93D4-3C2887EC2D6F}" dt="2025-10-27T13:44:42.352" v="2552" actId="478"/>
-          <ac:graphicFrameMkLst>
-            <pc:docMk/>
-            <pc:sldMk cId="2500620303" sldId="284"/>
-            <ac:graphicFrameMk id="4" creationId="{FD57EE23-22A0-C582-909A-3BDA36B2E50B}"/>
-          </ac:graphicFrameMkLst>
-        </pc:graphicFrameChg>
         <pc:picChg chg="add mod">
           <ac:chgData name="Hà Tiến Đạt" userId="2c270499-d7a4-441a-931b-11c3708e529e" providerId="ADAL" clId="{DDB06710-498B-452A-93D4-3C2887EC2D6F}" dt="2025-10-27T15:31:04.517" v="3441" actId="1076"/>
           <ac:picMkLst>
@@ -1404,14 +1337,6 @@
             <ac:grpSpMk id="8" creationId="{36F61884-2BE3-6CEE-BB36-9FF557685E04}"/>
           </ac:grpSpMkLst>
         </pc:grpChg>
-        <pc:picChg chg="del">
-          <ac:chgData name="Hà Tiến Đạt" userId="2c270499-d7a4-441a-931b-11c3708e529e" providerId="ADAL" clId="{DDB06710-498B-452A-93D4-3C2887EC2D6F}" dt="2025-10-27T13:45:08.130" v="2558" actId="478"/>
-          <ac:picMkLst>
-            <pc:docMk/>
-            <pc:sldMk cId="91071244" sldId="285"/>
-            <ac:picMk id="2" creationId="{EE1E8690-38CE-1222-1A50-0A7B9D62B2BD}"/>
-          </ac:picMkLst>
-        </pc:picChg>
         <pc:picChg chg="add mod">
           <ac:chgData name="Hà Tiến Đạt" userId="2c270499-d7a4-441a-931b-11c3708e529e" providerId="ADAL" clId="{DDB06710-498B-452A-93D4-3C2887EC2D6F}" dt="2025-10-27T14:30:07.735" v="2633" actId="1076"/>
           <ac:picMkLst>
@@ -1491,14 +1416,6 @@
             <ac:grpSpMk id="6" creationId="{60CDD204-08D9-0CEB-CD3E-5484F2A6527C}"/>
           </ac:grpSpMkLst>
         </pc:grpChg>
-        <pc:picChg chg="add del mod">
-          <ac:chgData name="Hà Tiến Đạt" userId="2c270499-d7a4-441a-931b-11c3708e529e" providerId="ADAL" clId="{DDB06710-498B-452A-93D4-3C2887EC2D6F}" dt="2025-10-27T15:13:49.290" v="3193" actId="478"/>
-          <ac:picMkLst>
-            <pc:docMk/>
-            <pc:sldMk cId="2714402739" sldId="286"/>
-            <ac:picMk id="9" creationId="{CAEAB602-195A-D283-5AA5-01E7A7372673}"/>
-          </ac:picMkLst>
-        </pc:picChg>
         <pc:picChg chg="add mod">
           <ac:chgData name="Hà Tiến Đạt" userId="2c270499-d7a4-441a-931b-11c3708e529e" providerId="ADAL" clId="{DDB06710-498B-452A-93D4-3C2887EC2D6F}" dt="2025-10-27T15:13:55.644" v="3197" actId="14100"/>
           <ac:picMkLst>
@@ -1568,14 +1485,6 @@
             <ac:spMk id="3" creationId="{073FCAED-1F47-7373-D51F-E177D7A4A6F4}"/>
           </ac:spMkLst>
         </pc:spChg>
-        <pc:picChg chg="add mod">
-          <ac:chgData name="Hà Tiến Đạt" userId="2c270499-d7a4-441a-931b-11c3708e529e" providerId="ADAL" clId="{DDB06710-498B-452A-93D4-3C2887EC2D6F}" dt="2025-10-27T15:05:46.556" v="3158" actId="1076"/>
-          <ac:picMkLst>
-            <pc:docMk/>
-            <pc:sldMk cId="239538685" sldId="289"/>
-            <ac:picMk id="2" creationId="{E2C506EC-5FDD-977A-8852-4441BE80BE47}"/>
-          </ac:picMkLst>
-        </pc:picChg>
       </pc:sldChg>
       <pc:sldChg chg="addSp modSp add mod ord">
         <pc:chgData name="Hà Tiến Đạt" userId="2c270499-d7a4-441a-931b-11c3708e529e" providerId="ADAL" clId="{DDB06710-498B-452A-93D4-3C2887EC2D6F}" dt="2025-10-27T15:16:58.018" v="3213"/>
@@ -1645,28 +1554,12 @@
             <ac:spMk id="10" creationId="{1408DA87-0389-CB9D-E7BC-421D166BF65A}"/>
           </ac:spMkLst>
         </pc:spChg>
-        <pc:picChg chg="add del mod">
-          <ac:chgData name="Hà Tiến Đạt" userId="2c270499-d7a4-441a-931b-11c3708e529e" providerId="ADAL" clId="{DDB06710-498B-452A-93D4-3C2887EC2D6F}" dt="2025-10-27T15:27:30.901" v="3391" actId="478"/>
-          <ac:picMkLst>
-            <pc:docMk/>
-            <pc:sldMk cId="4017092624" sldId="292"/>
-            <ac:picMk id="2" creationId="{F45DF689-C2BE-BA86-0738-15C55FB76A97}"/>
-          </ac:picMkLst>
-        </pc:picChg>
         <pc:picChg chg="add mod">
           <ac:chgData name="Hà Tiến Đạt" userId="2c270499-d7a4-441a-931b-11c3708e529e" providerId="ADAL" clId="{DDB06710-498B-452A-93D4-3C2887EC2D6F}" dt="2025-10-27T15:27:44.876" v="3397" actId="1076"/>
           <ac:picMkLst>
             <pc:docMk/>
             <pc:sldMk cId="4017092624" sldId="292"/>
             <ac:picMk id="4" creationId="{357F5E0A-3A6D-5640-7737-5714F33218C2}"/>
-          </ac:picMkLst>
-        </pc:picChg>
-        <pc:picChg chg="del">
-          <ac:chgData name="Hà Tiến Đạt" userId="2c270499-d7a4-441a-931b-11c3708e529e" providerId="ADAL" clId="{DDB06710-498B-452A-93D4-3C2887EC2D6F}" dt="2025-10-27T15:27:06.736" v="3386" actId="478"/>
-          <ac:picMkLst>
-            <pc:docMk/>
-            <pc:sldMk cId="4017092624" sldId="292"/>
-            <ac:picMk id="8" creationId="{D5E48448-53AF-EF98-2075-161FDBD450A7}"/>
           </ac:picMkLst>
         </pc:picChg>
       </pc:sldChg>
@@ -1715,14 +1608,6 @@
             <ac:picMk id="2" creationId="{E3913C30-C212-8029-C622-A3420DF7E3A3}"/>
           </ac:picMkLst>
         </pc:picChg>
-        <pc:picChg chg="del">
-          <ac:chgData name="Hà Tiến Đạt" userId="2c270499-d7a4-441a-931b-11c3708e529e" providerId="ADAL" clId="{DDB06710-498B-452A-93D4-3C2887EC2D6F}" dt="2025-10-27T15:28:32.032" v="3406" actId="478"/>
-          <ac:picMkLst>
-            <pc:docMk/>
-            <pc:sldMk cId="1981781281" sldId="294"/>
-            <ac:picMk id="4" creationId="{68DF1968-D0BB-1789-74AD-6B58FAB8659D}"/>
-          </ac:picMkLst>
-        </pc:picChg>
       </pc:sldChg>
       <pc:sldChg chg="addSp delSp modSp new del mod">
         <pc:chgData name="Hà Tiến Đạt" userId="2c270499-d7a4-441a-931b-11c3708e529e" providerId="ADAL" clId="{DDB06710-498B-452A-93D4-3C2887EC2D6F}" dt="2025-10-27T15:23:03.426" v="3361" actId="2696"/>
@@ -1730,30 +1615,6 @@
           <pc:docMk/>
           <pc:sldMk cId="2143915208" sldId="294"/>
         </pc:sldMkLst>
-        <pc:spChg chg="del mod topLvl">
-          <ac:chgData name="Hà Tiến Đạt" userId="2c270499-d7a4-441a-931b-11c3708e529e" providerId="ADAL" clId="{DDB06710-498B-452A-93D4-3C2887EC2D6F}" dt="2025-10-27T15:23:00.812" v="3360" actId="478"/>
-          <ac:spMkLst>
-            <pc:docMk/>
-            <pc:sldMk cId="2143915208" sldId="294"/>
-            <ac:spMk id="3" creationId="{6E1DF893-61A0-E14A-95FC-22A2874CD4DF}"/>
-          </ac:spMkLst>
-        </pc:spChg>
-        <pc:spChg chg="mod topLvl">
-          <ac:chgData name="Hà Tiến Đạt" userId="2c270499-d7a4-441a-931b-11c3708e529e" providerId="ADAL" clId="{DDB06710-498B-452A-93D4-3C2887EC2D6F}" dt="2025-10-27T15:23:00.812" v="3360" actId="478"/>
-          <ac:spMkLst>
-            <pc:docMk/>
-            <pc:sldMk cId="2143915208" sldId="294"/>
-            <ac:spMk id="4" creationId="{905A98E5-855C-B728-183A-B8BED35BBC31}"/>
-          </ac:spMkLst>
-        </pc:spChg>
-        <pc:grpChg chg="add del mod">
-          <ac:chgData name="Hà Tiến Đạt" userId="2c270499-d7a4-441a-931b-11c3708e529e" providerId="ADAL" clId="{DDB06710-498B-452A-93D4-3C2887EC2D6F}" dt="2025-10-27T15:23:00.812" v="3360" actId="478"/>
-          <ac:grpSpMkLst>
-            <pc:docMk/>
-            <pc:sldMk cId="2143915208" sldId="294"/>
-            <ac:grpSpMk id="2" creationId="{A1B4FC94-B9A9-2FF8-39A3-230BE7BA8C13}"/>
-          </ac:grpSpMkLst>
-        </pc:grpChg>
       </pc:sldChg>
       <pc:sldChg chg="new del">
         <pc:chgData name="Hà Tiến Đạt" userId="2c270499-d7a4-441a-931b-11c3708e529e" providerId="ADAL" clId="{DDB06710-498B-452A-93D4-3C2887EC2D6F}" dt="2025-10-27T15:28:18.240" v="3404" actId="47"/>
@@ -1767,7 +1628,7 @@
   <pc:docChgLst>
     <pc:chgData name="Hà Tiến Đạt" userId="2c270499-d7a4-441a-931b-11c3708e529e" providerId="ADAL" clId="{1F2FD4F7-5D99-4895-B4DF-7A9B8C6C9F45}"/>
     <pc:docChg chg="undo custSel addSld modSld sldOrd">
-      <pc:chgData name="Hà Tiến Đạt" userId="2c270499-d7a4-441a-931b-11c3708e529e" providerId="ADAL" clId="{1F2FD4F7-5D99-4895-B4DF-7A9B8C6C9F45}" dt="2025-10-28T12:07:42.390" v="374" actId="1076"/>
+      <pc:chgData name="Hà Tiến Đạt" userId="2c270499-d7a4-441a-931b-11c3708e529e" providerId="ADAL" clId="{1F2FD4F7-5D99-4895-B4DF-7A9B8C6C9F45}" dt="2025-10-29T02:35:33.010" v="380" actId="1076"/>
       <pc:docMkLst>
         <pc:docMk/>
       </pc:docMkLst>
@@ -1777,14 +1638,6 @@
           <pc:docMk/>
           <pc:sldMk cId="0" sldId="259"/>
         </pc:sldMkLst>
-        <pc:spChg chg="del mod">
-          <ac:chgData name="Hà Tiến Đạt" userId="2c270499-d7a4-441a-931b-11c3708e529e" providerId="ADAL" clId="{1F2FD4F7-5D99-4895-B4DF-7A9B8C6C9F45}" dt="2025-10-27T11:16:49.952" v="6" actId="478"/>
-          <ac:spMkLst>
-            <pc:docMk/>
-            <pc:sldMk cId="0" sldId="259"/>
-            <ac:spMk id="2" creationId="{FD60DE25-2E7F-59AC-460D-3AE90F70AFF7}"/>
-          </ac:spMkLst>
-        </pc:spChg>
         <pc:grpChg chg="mod">
           <ac:chgData name="Hà Tiến Đạt" userId="2c270499-d7a4-441a-931b-11c3708e529e" providerId="ADAL" clId="{1F2FD4F7-5D99-4895-B4DF-7A9B8C6C9F45}" dt="2025-10-27T10:14:11.909" v="0" actId="14100"/>
           <ac:grpSpMkLst>
@@ -2018,38 +1871,6 @@
             <ac:spMk id="3" creationId="{9FF887BC-44B1-9B0E-B1A6-9F6A67E89941}"/>
           </ac:spMkLst>
         </pc:spChg>
-        <pc:spChg chg="add del">
-          <ac:chgData name="Hà Tiến Đạt" userId="2c270499-d7a4-441a-931b-11c3708e529e" providerId="ADAL" clId="{1F2FD4F7-5D99-4895-B4DF-7A9B8C6C9F45}" dt="2025-10-27T12:29:15.077" v="91" actId="26606"/>
-          <ac:spMkLst>
-            <pc:docMk/>
-            <pc:sldMk cId="3512206391" sldId="281"/>
-            <ac:spMk id="8" creationId="{A8384FB5-9ADC-4DDC-881B-597D56F5B15D}"/>
-          </ac:spMkLst>
-        </pc:spChg>
-        <pc:spChg chg="add del">
-          <ac:chgData name="Hà Tiến Đạt" userId="2c270499-d7a4-441a-931b-11c3708e529e" providerId="ADAL" clId="{1F2FD4F7-5D99-4895-B4DF-7A9B8C6C9F45}" dt="2025-10-27T12:29:15.077" v="91" actId="26606"/>
-          <ac:spMkLst>
-            <pc:docMk/>
-            <pc:sldMk cId="3512206391" sldId="281"/>
-            <ac:spMk id="10" creationId="{1199E1B1-A8C0-4FE8-A5A8-1CB41D69F857}"/>
-          </ac:spMkLst>
-        </pc:spChg>
-        <pc:spChg chg="add del">
-          <ac:chgData name="Hà Tiến Đạt" userId="2c270499-d7a4-441a-931b-11c3708e529e" providerId="ADAL" clId="{1F2FD4F7-5D99-4895-B4DF-7A9B8C6C9F45}" dt="2025-10-27T12:29:15.077" v="91" actId="26606"/>
-          <ac:spMkLst>
-            <pc:docMk/>
-            <pc:sldMk cId="3512206391" sldId="281"/>
-            <ac:spMk id="12" creationId="{84A8DE83-DE75-4B41-9DB4-A7EC0B0DEC0B}"/>
-          </ac:spMkLst>
-        </pc:spChg>
-        <pc:spChg chg="add del">
-          <ac:chgData name="Hà Tiến Đạt" userId="2c270499-d7a4-441a-931b-11c3708e529e" providerId="ADAL" clId="{1F2FD4F7-5D99-4895-B4DF-7A9B8C6C9F45}" dt="2025-10-27T12:29:15.077" v="91" actId="26606"/>
-          <ac:spMkLst>
-            <pc:docMk/>
-            <pc:sldMk cId="3512206391" sldId="281"/>
-            <ac:spMk id="14" creationId="{A7009A0A-BEF5-4EAC-AF15-E4F9F002E239}"/>
-          </ac:spMkLst>
-        </pc:spChg>
         <pc:spChg chg="add">
           <ac:chgData name="Hà Tiến Đạt" userId="2c270499-d7a4-441a-931b-11c3708e529e" providerId="ADAL" clId="{1F2FD4F7-5D99-4895-B4DF-7A9B8C6C9F45}" dt="2025-10-27T12:29:15.077" v="91" actId="26606"/>
           <ac:spMkLst>
@@ -2112,12 +1933,27 @@
             <ac:spMk id="3" creationId="{E463D497-361E-9A16-AA15-CC2E5F9595CD}"/>
           </ac:spMkLst>
         </pc:spChg>
-        <pc:picChg chg="add mod">
-          <ac:chgData name="Hà Tiến Đạt" userId="2c270499-d7a4-441a-931b-11c3708e529e" providerId="ADAL" clId="{1F2FD4F7-5D99-4895-B4DF-7A9B8C6C9F45}" dt="2025-10-27T12:33:02.547" v="119" actId="1076"/>
+      </pc:sldChg>
+      <pc:sldChg chg="addSp delSp modSp mod">
+        <pc:chgData name="Hà Tiến Đạt" userId="2c270499-d7a4-441a-931b-11c3708e529e" providerId="ADAL" clId="{1F2FD4F7-5D99-4895-B4DF-7A9B8C6C9F45}" dt="2025-10-29T02:35:33.010" v="380" actId="1076"/>
+        <pc:sldMkLst>
+          <pc:docMk/>
+          <pc:sldMk cId="239538685" sldId="289"/>
+        </pc:sldMkLst>
+        <pc:picChg chg="del">
+          <ac:chgData name="Hà Tiến Đạt" userId="2c270499-d7a4-441a-931b-11c3708e529e" providerId="ADAL" clId="{1F2FD4F7-5D99-4895-B4DF-7A9B8C6C9F45}" dt="2025-10-29T02:35:24.128" v="375" actId="478"/>
           <ac:picMkLst>
             <pc:docMk/>
-            <pc:sldMk cId="3824883314" sldId="283"/>
-            <ac:picMk id="2" creationId="{767BF698-7AC3-4946-1AFA-C114A37BC380}"/>
+            <pc:sldMk cId="239538685" sldId="289"/>
+            <ac:picMk id="2" creationId="{E2C506EC-5FDD-977A-8852-4441BE80BE47}"/>
+          </ac:picMkLst>
+        </pc:picChg>
+        <pc:picChg chg="add mod">
+          <ac:chgData name="Hà Tiến Đạt" userId="2c270499-d7a4-441a-931b-11c3708e529e" providerId="ADAL" clId="{1F2FD4F7-5D99-4895-B4DF-7A9B8C6C9F45}" dt="2025-10-29T02:35:33.010" v="380" actId="1076"/>
+          <ac:picMkLst>
+            <pc:docMk/>
+            <pc:sldMk cId="239538685" sldId="289"/>
+            <ac:picMk id="5" creationId="{2700DBB6-9993-741B-C627-164E2A230CD3}"/>
           </ac:picMkLst>
         </pc:picChg>
       </pc:sldChg>
@@ -2253,14 +2089,6 @@
             <ac:spMk id="3" creationId="{5361F838-B747-6C53-2441-AA0E87941062}"/>
           </ac:spMkLst>
         </pc:spChg>
-        <pc:spChg chg="add del">
-          <ac:chgData name="Nguyễn Quốc Khánh" userId="S::106220255@sv1.dut.udn.vn::a99d8c53-2260-4a43-80de-d6f2bc486cd8" providerId="AD" clId="Web-{3592641C-9D37-CAF2-7121-940B6891C1EA}" dt="2025-10-27T15:04:49.153" v="232"/>
-          <ac:spMkLst>
-            <pc:docMk/>
-            <pc:sldMk cId="588668401" sldId="287"/>
-            <ac:spMk id="9" creationId="{A1492634-E3BD-6CDC-0DED-E4724AD81846}"/>
-          </ac:spMkLst>
-        </pc:spChg>
         <pc:spChg chg="add mod">
           <ac:chgData name="Nguyễn Quốc Khánh" userId="S::106220255@sv1.dut.udn.vn::a99d8c53-2260-4a43-80de-d6f2bc486cd8" providerId="AD" clId="Web-{3592641C-9D37-CAF2-7121-940B6891C1EA}" dt="2025-10-27T15:06:11.123" v="250" actId="14100"/>
           <ac:spMkLst>
@@ -2269,62 +2097,6 @@
             <ac:spMk id="10" creationId="{3FB85F20-7FC8-EBDE-6288-317FFE9A21B3}"/>
           </ac:spMkLst>
         </pc:spChg>
-        <pc:spChg chg="add del">
-          <ac:chgData name="Nguyễn Quốc Khánh" userId="S::106220255@sv1.dut.udn.vn::a99d8c53-2260-4a43-80de-d6f2bc486cd8" providerId="AD" clId="Web-{3592641C-9D37-CAF2-7121-940B6891C1EA}" dt="2025-10-27T15:01:03.025" v="216"/>
-          <ac:spMkLst>
-            <pc:docMk/>
-            <pc:sldMk cId="588668401" sldId="287"/>
-            <ac:spMk id="13" creationId="{A4AC5506-6312-4701-8D3C-40187889A947}"/>
-          </ac:spMkLst>
-        </pc:spChg>
-        <pc:spChg chg="add del">
-          <ac:chgData name="Nguyễn Quốc Khánh" userId="S::106220255@sv1.dut.udn.vn::a99d8c53-2260-4a43-80de-d6f2bc486cd8" providerId="AD" clId="Web-{3592641C-9D37-CAF2-7121-940B6891C1EA}" dt="2025-10-27T15:01:11.962" v="218"/>
-          <ac:spMkLst>
-            <pc:docMk/>
-            <pc:sldMk cId="588668401" sldId="287"/>
-            <ac:spMk id="19" creationId="{47942995-B07F-4636-9A06-C6A104B260A8}"/>
-          </ac:spMkLst>
-        </pc:spChg>
-        <pc:spChg chg="add del">
-          <ac:chgData name="Nguyễn Quốc Khánh" userId="S::106220255@sv1.dut.udn.vn::a99d8c53-2260-4a43-80de-d6f2bc486cd8" providerId="AD" clId="Web-{3592641C-9D37-CAF2-7121-940B6891C1EA}" dt="2025-10-27T15:01:11.962" v="218"/>
-          <ac:spMkLst>
-            <pc:docMk/>
-            <pc:sldMk cId="588668401" sldId="287"/>
-            <ac:spMk id="20" creationId="{B81933D1-5615-42C7-9C0B-4EB7105CCE2D}"/>
-          </ac:spMkLst>
-        </pc:spChg>
-        <pc:spChg chg="add del">
-          <ac:chgData name="Nguyễn Quốc Khánh" userId="S::106220255@sv1.dut.udn.vn::a99d8c53-2260-4a43-80de-d6f2bc486cd8" providerId="AD" clId="Web-{3592641C-9D37-CAF2-7121-940B6891C1EA}" dt="2025-10-27T15:01:11.962" v="218"/>
-          <ac:spMkLst>
-            <pc:docMk/>
-            <pc:sldMk cId="588668401" sldId="287"/>
-            <ac:spMk id="22" creationId="{19C9EAEA-39D0-4B0E-A0EB-51E7B26740B1}"/>
-          </ac:spMkLst>
-        </pc:spChg>
-        <pc:spChg chg="add del mod">
-          <ac:chgData name="Nguyễn Quốc Khánh" userId="S::106220255@sv1.dut.udn.vn::a99d8c53-2260-4a43-80de-d6f2bc486cd8" providerId="AD" clId="Web-{3592641C-9D37-CAF2-7121-940B6891C1EA}" dt="2025-10-27T15:03:03.902" v="223"/>
-          <ac:spMkLst>
-            <pc:docMk/>
-            <pc:sldMk cId="588668401" sldId="287"/>
-            <ac:spMk id="24" creationId="{A4AC5506-6312-4701-8D3C-40187889A947}"/>
-          </ac:spMkLst>
-        </pc:spChg>
-        <pc:grpChg chg="add del">
-          <ac:chgData name="Nguyễn Quốc Khánh" userId="S::106220255@sv1.dut.udn.vn::a99d8c53-2260-4a43-80de-d6f2bc486cd8" providerId="AD" clId="Web-{3592641C-9D37-CAF2-7121-940B6891C1EA}" dt="2025-10-27T14:58:40.850" v="210"/>
-          <ac:grpSpMkLst>
-            <pc:docMk/>
-            <pc:sldMk cId="588668401" sldId="287"/>
-            <ac:grpSpMk id="7" creationId="{71B789CC-F35F-882F-D608-F5EFB07F605E}"/>
-          </ac:grpSpMkLst>
-        </pc:grpChg>
-        <pc:grpChg chg="add del">
-          <ac:chgData name="Nguyễn Quốc Khánh" userId="S::106220255@sv1.dut.udn.vn::a99d8c53-2260-4a43-80de-d6f2bc486cd8" providerId="AD" clId="Web-{3592641C-9D37-CAF2-7121-940B6891C1EA}" dt="2025-10-27T15:01:11.962" v="218"/>
-          <ac:grpSpMkLst>
-            <pc:docMk/>
-            <pc:sldMk cId="588668401" sldId="287"/>
-            <ac:grpSpMk id="15" creationId="{032D8612-31EB-44CF-A1D0-14FD4C705424}"/>
-          </ac:grpSpMkLst>
-        </pc:grpChg>
         <pc:picChg chg="add mod">
           <ac:chgData name="Nguyễn Quốc Khánh" userId="S::106220255@sv1.dut.udn.vn::a99d8c53-2260-4a43-80de-d6f2bc486cd8" providerId="AD" clId="Web-{3592641C-9D37-CAF2-7121-940B6891C1EA}" dt="2025-10-27T15:05:50.591" v="245" actId="14100"/>
           <ac:picMkLst>
@@ -2356,36 +2128,12 @@
             <ac:spMk id="10" creationId="{B5D8ABE5-0E71-AA41-4750-BFB4A198C5AB}"/>
           </ac:spMkLst>
         </pc:spChg>
-        <pc:spChg chg="add del">
-          <ac:chgData name="Nguyễn Quốc Khánh" userId="S::106220255@sv1.dut.udn.vn::a99d8c53-2260-4a43-80de-d6f2bc486cd8" providerId="AD" clId="Web-{3592641C-9D37-CAF2-7121-940B6891C1EA}" dt="2025-10-27T15:19:43.300" v="353"/>
-          <ac:spMkLst>
-            <pc:docMk/>
-            <pc:sldMk cId="98202571" sldId="291"/>
-            <ac:spMk id="15" creationId="{2B97F24A-32CE-4C1C-A50D-3016B394DCFB}"/>
-          </ac:spMkLst>
-        </pc:spChg>
-        <pc:spChg chg="add del">
-          <ac:chgData name="Nguyễn Quốc Khánh" userId="S::106220255@sv1.dut.udn.vn::a99d8c53-2260-4a43-80de-d6f2bc486cd8" providerId="AD" clId="Web-{3592641C-9D37-CAF2-7121-940B6891C1EA}" dt="2025-10-27T15:19:43.300" v="353"/>
-          <ac:spMkLst>
-            <pc:docMk/>
-            <pc:sldMk cId="98202571" sldId="291"/>
-            <ac:spMk id="17" creationId="{CD8B4F24-440B-49E9-B85D-733523DC064B}"/>
-          </ac:spMkLst>
-        </pc:spChg>
         <pc:picChg chg="add mod">
           <ac:chgData name="Nguyễn Quốc Khánh" userId="S::106220255@sv1.dut.udn.vn::a99d8c53-2260-4a43-80de-d6f2bc486cd8" providerId="AD" clId="Web-{3592641C-9D37-CAF2-7121-940B6891C1EA}" dt="2025-10-27T15:20:38.207" v="365" actId="1076"/>
           <ac:picMkLst>
             <pc:docMk/>
             <pc:sldMk cId="98202571" sldId="291"/>
             <ac:picMk id="2" creationId="{29C7DD7F-2F3F-B6DC-DE30-B82C8D09E52F}"/>
-          </ac:picMkLst>
-        </pc:picChg>
-        <pc:picChg chg="del">
-          <ac:chgData name="Nguyễn Quốc Khánh" userId="S::106220255@sv1.dut.udn.vn::a99d8c53-2260-4a43-80de-d6f2bc486cd8" providerId="AD" clId="Web-{3592641C-9D37-CAF2-7121-940B6891C1EA}" dt="2025-10-27T15:13:34.854" v="298"/>
-          <ac:picMkLst>
-            <pc:docMk/>
-            <pc:sldMk cId="98202571" sldId="291"/>
-            <ac:picMk id="8" creationId="{6E3478B0-2F72-235F-8591-FCBB57FC21AC}"/>
           </ac:picMkLst>
         </pc:picChg>
       </pc:sldChg>
@@ -2537,7 +2285,7 @@
           <a:p>
             <a:fld id="{B345FA1A-464A-4A62-82D6-7B755348D382}" type="datetimeFigureOut">
               <a:rPr lang="en-US" smtClean="0"/>
-              <a:t>10/28/2025</a:t>
+              <a:t>10/29/2025</a:t>
             </a:fld>
             <a:endParaRPr lang="en-US"/>
           </a:p>
@@ -3284,7 +3032,7 @@
             <a:fld id="{1D8BD707-D9CF-40AE-B4C6-C98DA3205C09}" type="datetimeFigureOut">
               <a:rPr lang="en-US" smtClean="0"/>
               <a:pPr/>
-              <a:t>10/28/2025</a:t>
+              <a:t>10/29/2025</a:t>
             </a:fld>
             <a:endParaRPr lang="en-US"/>
           </a:p>
@@ -3449,7 +3197,7 @@
             <a:fld id="{1D8BD707-D9CF-40AE-B4C6-C98DA3205C09}" type="datetimeFigureOut">
               <a:rPr lang="en-US" smtClean="0"/>
               <a:pPr/>
-              <a:t>10/28/2025</a:t>
+              <a:t>10/29/2025</a:t>
             </a:fld>
             <a:endParaRPr lang="en-US"/>
           </a:p>
@@ -3624,7 +3372,7 @@
             <a:fld id="{1D8BD707-D9CF-40AE-B4C6-C98DA3205C09}" type="datetimeFigureOut">
               <a:rPr lang="en-US" smtClean="0"/>
               <a:pPr/>
-              <a:t>10/28/2025</a:t>
+              <a:t>10/29/2025</a:t>
             </a:fld>
             <a:endParaRPr lang="en-US"/>
           </a:p>
@@ -3789,7 +3537,7 @@
             <a:fld id="{1D8BD707-D9CF-40AE-B4C6-C98DA3205C09}" type="datetimeFigureOut">
               <a:rPr lang="en-US" smtClean="0"/>
               <a:pPr/>
-              <a:t>10/28/2025</a:t>
+              <a:t>10/29/2025</a:t>
             </a:fld>
             <a:endParaRPr lang="en-US"/>
           </a:p>
@@ -4031,7 +3779,7 @@
             <a:fld id="{1D8BD707-D9CF-40AE-B4C6-C98DA3205C09}" type="datetimeFigureOut">
               <a:rPr lang="en-US" smtClean="0"/>
               <a:pPr/>
-              <a:t>10/28/2025</a:t>
+              <a:t>10/29/2025</a:t>
             </a:fld>
             <a:endParaRPr lang="en-US"/>
           </a:p>
@@ -4313,7 +4061,7 @@
             <a:fld id="{1D8BD707-D9CF-40AE-B4C6-C98DA3205C09}" type="datetimeFigureOut">
               <a:rPr lang="en-US" smtClean="0"/>
               <a:pPr/>
-              <a:t>10/28/2025</a:t>
+              <a:t>10/29/2025</a:t>
             </a:fld>
             <a:endParaRPr lang="en-US"/>
           </a:p>
@@ -4729,7 +4477,7 @@
             <a:fld id="{1D8BD707-D9CF-40AE-B4C6-C98DA3205C09}" type="datetimeFigureOut">
               <a:rPr lang="en-US" smtClean="0"/>
               <a:pPr/>
-              <a:t>10/28/2025</a:t>
+              <a:t>10/29/2025</a:t>
             </a:fld>
             <a:endParaRPr lang="en-US"/>
           </a:p>
@@ -4843,7 +4591,7 @@
             <a:fld id="{1D8BD707-D9CF-40AE-B4C6-C98DA3205C09}" type="datetimeFigureOut">
               <a:rPr lang="en-US" smtClean="0"/>
               <a:pPr/>
-              <a:t>10/28/2025</a:t>
+              <a:t>10/29/2025</a:t>
             </a:fld>
             <a:endParaRPr lang="en-US"/>
           </a:p>
@@ -4935,7 +4683,7 @@
             <a:fld id="{1D8BD707-D9CF-40AE-B4C6-C98DA3205C09}" type="datetimeFigureOut">
               <a:rPr lang="en-US" smtClean="0"/>
               <a:pPr/>
-              <a:t>10/28/2025</a:t>
+              <a:t>10/29/2025</a:t>
             </a:fld>
             <a:endParaRPr lang="en-US"/>
           </a:p>
@@ -5207,7 +4955,7 @@
             <a:fld id="{1D8BD707-D9CF-40AE-B4C6-C98DA3205C09}" type="datetimeFigureOut">
               <a:rPr lang="en-US" smtClean="0"/>
               <a:pPr/>
-              <a:t>10/28/2025</a:t>
+              <a:t>10/29/2025</a:t>
             </a:fld>
             <a:endParaRPr lang="en-US"/>
           </a:p>
@@ -5456,7 +5204,7 @@
             <a:fld id="{1D8BD707-D9CF-40AE-B4C6-C98DA3205C09}" type="datetimeFigureOut">
               <a:rPr lang="en-US" smtClean="0"/>
               <a:pPr/>
-              <a:t>10/28/2025</a:t>
+              <a:t>10/29/2025</a:t>
             </a:fld>
             <a:endParaRPr lang="en-US"/>
           </a:p>
@@ -5664,7 +5412,7 @@
             <a:fld id="{1D8BD707-D9CF-40AE-B4C6-C98DA3205C09}" type="datetimeFigureOut">
               <a:rPr lang="en-US" smtClean="0"/>
               <a:pPr/>
-              <a:t>10/28/2025</a:t>
+              <a:t>10/29/2025</a:t>
             </a:fld>
             <a:endParaRPr lang="en-US"/>
           </a:p>
@@ -9264,42 +9012,6 @@
           <a:chExt cx="0" cy="0"/>
         </a:xfrm>
       </p:grpSpPr>
-      <p:pic>
-        <p:nvPicPr>
-          <p:cNvPr id="2" name="drawing">
-            <a:extLst>
-              <a:ext uri="{FF2B5EF4-FFF2-40B4-BE49-F238E27FC236}">
-                <a16:creationId xmlns:a16="http://schemas.microsoft.com/office/drawing/2014/main" id="{E2C506EC-5FDD-977A-8852-4441BE80BE47}"/>
-              </a:ext>
-            </a:extLst>
-          </p:cNvPr>
-          <p:cNvPicPr>
-            <a:picLocks noChangeAspect="1"/>
-          </p:cNvPicPr>
-          <p:nvPr/>
-        </p:nvPicPr>
-        <p:blipFill>
-          <a:blip r:embed="rId2">
-            <a:extLst>
-              <a:ext uri="{28A0092B-C50C-407E-A947-70E740481C1C}">
-                <a14:useLocalDpi xmlns:a14="http://schemas.microsoft.com/office/drawing/2010/main"/>
-              </a:ext>
-            </a:extLst>
-          </a:blip>
-          <a:stretch>
-            <a:fillRect/>
-          </a:stretch>
-        </p:blipFill>
-        <p:spPr>
-          <a:xfrm>
-            <a:off x="3493198" y="1556512"/>
-            <a:ext cx="11301603" cy="8730488"/>
-          </a:xfrm>
-          <a:prstGeom prst="rect">
-            <a:avLst/>
-          </a:prstGeom>
-        </p:spPr>
-      </p:pic>
       <p:sp>
         <p:nvSpPr>
           <p:cNvPr id="3" name="TextBox 2">
@@ -9387,6 +9099,36 @@
           </a:p>
         </p:txBody>
       </p:sp>
+      <p:pic>
+        <p:nvPicPr>
+          <p:cNvPr id="5" name="Picture 4">
+            <a:extLst>
+              <a:ext uri="{FF2B5EF4-FFF2-40B4-BE49-F238E27FC236}">
+                <a16:creationId xmlns:a16="http://schemas.microsoft.com/office/drawing/2014/main" id="{2700DBB6-9993-741B-C627-164E2A230CD3}"/>
+              </a:ext>
+            </a:extLst>
+          </p:cNvPr>
+          <p:cNvPicPr>
+            <a:picLocks noChangeAspect="1"/>
+          </p:cNvPicPr>
+          <p:nvPr/>
+        </p:nvPicPr>
+        <p:blipFill>
+          <a:blip r:embed="rId2"/>
+          <a:stretch>
+            <a:fillRect/>
+          </a:stretch>
+        </p:blipFill>
+        <p:spPr>
+          <a:xfrm>
+            <a:off x="914401" y="1861177"/>
+            <a:ext cx="16763418" cy="8425823"/>
+          </a:xfrm>
+          <a:prstGeom prst="rect">
+            <a:avLst/>
+          </a:prstGeom>
+        </p:spPr>
+      </p:pic>
     </p:spTree>
     <p:extLst>
       <p:ext uri="{BB962C8B-B14F-4D97-AF65-F5344CB8AC3E}">
